--- a/Consumer Interface/cidd unit 5 (1).pptx
+++ b/Consumer Interface/cidd unit 5 (1).pptx
@@ -289,7 +289,7 @@
             <a:fld id="{69C61B07-87FB-4431-BDF0-7B9914CCBF02}" type="datetimeFigureOut">
               <a:rPr lang="en-US" smtClean="0"/>
               <a:pPr/>
-              <a:t>9/30/2021</a:t>
+              <a:t>11/15/2021</a:t>
             </a:fld>
             <a:endParaRPr lang="en-IN"/>
           </a:p>
@@ -916,7 +916,7 @@
             <a:fld id="{63652BB5-078B-4F43-9253-2C5CA37E147A}" type="datetime1">
               <a:rPr lang="en-US" smtClean="0"/>
               <a:pPr/>
-              <a:t>9/30/2021</a:t>
+              <a:t>11/15/2021</a:t>
             </a:fld>
             <a:endParaRPr lang="en-IN"/>
           </a:p>
@@ -1275,7 +1275,7 @@
             <a:fld id="{BD7C767C-8B08-44B0-A2A3-F1427543DF23}" type="datetime1">
               <a:rPr lang="en-US" smtClean="0"/>
               <a:pPr/>
-              <a:t>9/30/2021</a:t>
+              <a:t>11/15/2021</a:t>
             </a:fld>
             <a:endParaRPr lang="en-IN"/>
           </a:p>
@@ -1457,7 +1457,7 @@
             <a:fld id="{37D09DF4-00A5-4534-8DBA-746F20E0E61B}" type="datetime1">
               <a:rPr lang="en-US" smtClean="0"/>
               <a:pPr/>
-              <a:t>9/30/2021</a:t>
+              <a:t>11/15/2021</a:t>
             </a:fld>
             <a:endParaRPr lang="en-IN"/>
           </a:p>
@@ -1577,7 +1577,7 @@
             <a:fld id="{748C6618-D660-4795-B3A7-603070E72FE1}" type="datetime1">
               <a:rPr lang="en-US" smtClean="0"/>
               <a:pPr/>
-              <a:t>9/30/2021</a:t>
+              <a:t>11/15/2021</a:t>
             </a:fld>
             <a:endParaRPr lang="en-IN"/>
           </a:p>
@@ -2073,7 +2073,7 @@
             <a:fld id="{E5D03CB5-B2FC-4B5C-8ECA-9AE1F3CC895F}" type="datetime1">
               <a:rPr lang="en-US" smtClean="0"/>
               <a:pPr/>
-              <a:t>9/30/2021</a:t>
+              <a:t>11/15/2021</a:t>
             </a:fld>
             <a:endParaRPr lang="en-IN"/>
           </a:p>
@@ -2345,7 +2345,7 @@
             <a:fld id="{D6ADE460-A91F-4440-A600-9FA4A9AD7773}" type="datetime1">
               <a:rPr lang="en-US" smtClean="0"/>
               <a:pPr/>
-              <a:t>9/30/2021</a:t>
+              <a:t>11/15/2021</a:t>
             </a:fld>
             <a:endParaRPr lang="en-IN"/>
           </a:p>
@@ -2714,7 +2714,7 @@
             <a:fld id="{B59CE275-34C9-44CF-9922-81D53A553250}" type="datetime1">
               <a:rPr lang="en-US" smtClean="0"/>
               <a:pPr/>
-              <a:t>9/30/2021</a:t>
+              <a:t>11/15/2021</a:t>
             </a:fld>
             <a:endParaRPr lang="en-IN"/>
           </a:p>
@@ -2948,7 +2948,7 @@
             <a:fld id="{D9D1DDF9-E7BA-4FC3-803E-15A239434E3D}" type="datetime1">
               <a:rPr lang="en-US" smtClean="0"/>
               <a:pPr/>
-              <a:t>9/30/2021</a:t>
+              <a:t>11/15/2021</a:t>
             </a:fld>
             <a:endParaRPr lang="en-IN"/>
           </a:p>
@@ -3046,7 +3046,7 @@
             <a:fld id="{095FEF21-465E-4F11-8EE3-38BD411ECBEA}" type="datetime1">
               <a:rPr lang="en-US" smtClean="0"/>
               <a:pPr/>
-              <a:t>9/30/2021</a:t>
+              <a:t>11/15/2021</a:t>
             </a:fld>
             <a:endParaRPr lang="en-IN"/>
           </a:p>
@@ -3320,7 +3320,7 @@
             <a:fld id="{904E7AC3-C7EE-42E3-8AB9-79B995498AB5}" type="datetime1">
               <a:rPr lang="en-US" smtClean="0"/>
               <a:pPr/>
-              <a:t>9/30/2021</a:t>
+              <a:t>11/15/2021</a:t>
             </a:fld>
             <a:endParaRPr lang="en-IN"/>
           </a:p>
@@ -3555,7 +3555,7 @@
             <a:fld id="{D718B596-8617-4D17-9F39-EF3234F062EA}" type="datetime1">
               <a:rPr lang="en-US" smtClean="0"/>
               <a:pPr/>
-              <a:t>9/30/2021</a:t>
+              <a:t>11/15/2021</a:t>
             </a:fld>
             <a:endParaRPr lang="en-IN"/>
           </a:p>
@@ -4060,7 +4060,7 @@
             <a:fld id="{34DBD118-C00E-4CD1-B259-3DBB2463BC6A}" type="datetime1">
               <a:rPr lang="en-US" smtClean="0"/>
               <a:pPr/>
-              <a:t>9/30/2021</a:t>
+              <a:t>11/15/2021</a:t>
             </a:fld>
             <a:endParaRPr lang="en-IN"/>
           </a:p>
@@ -4594,7 +4594,7 @@
             <a:fld id="{A0301E0F-CFB3-4F47-9D78-F3C8B4A04DE2}" type="datetime1">
               <a:rPr lang="en-US" smtClean="0"/>
               <a:pPr/>
-              <a:t>9/30/2021</a:t>
+              <a:t>11/15/2021</a:t>
             </a:fld>
             <a:endParaRPr lang="en-IN" dirty="0"/>
           </a:p>
@@ -4838,7 +4838,7 @@
             <a:fld id="{748C6618-D660-4795-B3A7-603070E72FE1}" type="datetime1">
               <a:rPr lang="en-US" smtClean="0"/>
               <a:pPr/>
-              <a:t>9/30/2021</a:t>
+              <a:t>11/15/2021</a:t>
             </a:fld>
             <a:endParaRPr lang="en-IN"/>
           </a:p>
@@ -5014,7 +5014,7 @@
             <a:fld id="{748C6618-D660-4795-B3A7-603070E72FE1}" type="datetime1">
               <a:rPr lang="en-US" smtClean="0"/>
               <a:pPr/>
-              <a:t>9/30/2021</a:t>
+              <a:t>11/15/2021</a:t>
             </a:fld>
             <a:endParaRPr lang="en-IN"/>
           </a:p>
@@ -5221,7 +5221,7 @@
             <a:fld id="{748C6618-D660-4795-B3A7-603070E72FE1}" type="datetime1">
               <a:rPr lang="en-US" smtClean="0"/>
               <a:pPr/>
-              <a:t>9/30/2021</a:t>
+              <a:t>11/15/2021</a:t>
             </a:fld>
             <a:endParaRPr lang="en-IN"/>
           </a:p>
@@ -5418,7 +5418,7 @@
             <a:fld id="{748C6618-D660-4795-B3A7-603070E72FE1}" type="datetime1">
               <a:rPr lang="en-US" smtClean="0"/>
               <a:pPr/>
-              <a:t>9/30/2021</a:t>
+              <a:t>11/15/2021</a:t>
             </a:fld>
             <a:endParaRPr lang="en-IN"/>
           </a:p>
@@ -5633,7 +5633,7 @@
             <a:fld id="{748C6618-D660-4795-B3A7-603070E72FE1}" type="datetime1">
               <a:rPr lang="en-US" smtClean="0"/>
               <a:pPr/>
-              <a:t>9/30/2021</a:t>
+              <a:t>11/15/2021</a:t>
             </a:fld>
             <a:endParaRPr lang="en-IN"/>
           </a:p>
@@ -5856,7 +5856,7 @@
             <a:fld id="{748C6618-D660-4795-B3A7-603070E72FE1}" type="datetime1">
               <a:rPr lang="en-US" smtClean="0"/>
               <a:pPr/>
-              <a:t>9/30/2021</a:t>
+              <a:t>11/15/2021</a:t>
             </a:fld>
             <a:endParaRPr lang="en-IN"/>
           </a:p>
@@ -6049,7 +6049,7 @@
             <a:fld id="{748C6618-D660-4795-B3A7-603070E72FE1}" type="datetime1">
               <a:rPr lang="en-US" smtClean="0"/>
               <a:pPr/>
-              <a:t>9/30/2021</a:t>
+              <a:t>11/15/2021</a:t>
             </a:fld>
             <a:endParaRPr lang="en-IN"/>
           </a:p>
@@ -6254,7 +6254,7 @@
             <a:fld id="{748C6618-D660-4795-B3A7-603070E72FE1}" type="datetime1">
               <a:rPr lang="en-US" smtClean="0"/>
               <a:pPr/>
-              <a:t>9/30/2021</a:t>
+              <a:t>11/15/2021</a:t>
             </a:fld>
             <a:endParaRPr lang="en-IN"/>
           </a:p>
@@ -6421,7 +6421,7 @@
             <a:fld id="{748C6618-D660-4795-B3A7-603070E72FE1}" type="datetime1">
               <a:rPr lang="en-US" smtClean="0"/>
               <a:pPr/>
-              <a:t>9/30/2021</a:t>
+              <a:t>11/15/2021</a:t>
             </a:fld>
             <a:endParaRPr lang="en-IN"/>
           </a:p>
@@ -6587,7 +6587,7 @@
             <a:fld id="{748C6618-D660-4795-B3A7-603070E72FE1}" type="datetime1">
               <a:rPr lang="en-US" smtClean="0"/>
               <a:pPr/>
-              <a:t>9/30/2021</a:t>
+              <a:t>11/15/2021</a:t>
             </a:fld>
             <a:endParaRPr lang="en-IN"/>
           </a:p>
@@ -6763,7 +6763,7 @@
             <a:fld id="{748C6618-D660-4795-B3A7-603070E72FE1}" type="datetime1">
               <a:rPr lang="en-US" smtClean="0"/>
               <a:pPr/>
-              <a:t>9/30/2021</a:t>
+              <a:t>11/15/2021</a:t>
             </a:fld>
             <a:endParaRPr lang="en-IN"/>
           </a:p>
@@ -6931,7 +6931,7 @@
             <a:fld id="{748C6618-D660-4795-B3A7-603070E72FE1}" type="datetime1">
               <a:rPr lang="en-US" smtClean="0"/>
               <a:pPr/>
-              <a:t>9/30/2021</a:t>
+              <a:t>11/15/2021</a:t>
             </a:fld>
             <a:endParaRPr lang="en-IN"/>
           </a:p>
@@ -7097,7 +7097,7 @@
             <a:fld id="{748C6618-D660-4795-B3A7-603070E72FE1}" type="datetime1">
               <a:rPr lang="en-US" smtClean="0"/>
               <a:pPr/>
-              <a:t>9/30/2021</a:t>
+              <a:t>11/15/2021</a:t>
             </a:fld>
             <a:endParaRPr lang="en-IN"/>
           </a:p>
@@ -7285,7 +7285,7 @@
             <a:fld id="{748C6618-D660-4795-B3A7-603070E72FE1}" type="datetime1">
               <a:rPr lang="en-US" smtClean="0"/>
               <a:pPr/>
-              <a:t>9/30/2021</a:t>
+              <a:t>11/15/2021</a:t>
             </a:fld>
             <a:endParaRPr lang="en-IN"/>
           </a:p>
@@ -7451,7 +7451,7 @@
             <a:fld id="{748C6618-D660-4795-B3A7-603070E72FE1}" type="datetime1">
               <a:rPr lang="en-US" smtClean="0"/>
               <a:pPr/>
-              <a:t>9/30/2021</a:t>
+              <a:t>11/15/2021</a:t>
             </a:fld>
             <a:endParaRPr lang="en-IN"/>
           </a:p>
@@ -7635,7 +7635,7 @@
             <a:fld id="{748C6618-D660-4795-B3A7-603070E72FE1}" type="datetime1">
               <a:rPr lang="en-US" smtClean="0"/>
               <a:pPr/>
-              <a:t>9/30/2021</a:t>
+              <a:t>11/15/2021</a:t>
             </a:fld>
             <a:endParaRPr lang="en-IN"/>
           </a:p>
@@ -7838,7 +7838,7 @@
             <a:fld id="{748C6618-D660-4795-B3A7-603070E72FE1}" type="datetime1">
               <a:rPr lang="en-US" smtClean="0"/>
               <a:pPr/>
-              <a:t>9/30/2021</a:t>
+              <a:t>11/15/2021</a:t>
             </a:fld>
             <a:endParaRPr lang="en-IN"/>
           </a:p>
@@ -8004,7 +8004,7 @@
             <a:fld id="{748C6618-D660-4795-B3A7-603070E72FE1}" type="datetime1">
               <a:rPr lang="en-US" smtClean="0"/>
               <a:pPr/>
-              <a:t>9/30/2021</a:t>
+              <a:t>11/15/2021</a:t>
             </a:fld>
             <a:endParaRPr lang="en-IN"/>
           </a:p>
@@ -8191,7 +8191,7 @@
             <a:fld id="{748C6618-D660-4795-B3A7-603070E72FE1}" type="datetime1">
               <a:rPr lang="en-US" smtClean="0"/>
               <a:pPr/>
-              <a:t>9/30/2021</a:t>
+              <a:t>11/15/2021</a:t>
             </a:fld>
             <a:endParaRPr lang="en-IN"/>
           </a:p>
@@ -8384,7 +8384,7 @@
             <a:fld id="{748C6618-D660-4795-B3A7-603070E72FE1}" type="datetime1">
               <a:rPr lang="en-US" smtClean="0"/>
               <a:pPr/>
-              <a:t>9/30/2021</a:t>
+              <a:t>11/15/2021</a:t>
             </a:fld>
             <a:endParaRPr lang="en-IN"/>
           </a:p>
@@ -8550,7 +8550,7 @@
             <a:fld id="{748C6618-D660-4795-B3A7-603070E72FE1}" type="datetime1">
               <a:rPr lang="en-US" smtClean="0"/>
               <a:pPr/>
-              <a:t>9/30/2021</a:t>
+              <a:t>11/15/2021</a:t>
             </a:fld>
             <a:endParaRPr lang="en-IN"/>
           </a:p>
@@ -8732,7 +8732,7 @@
             <a:fld id="{748C6618-D660-4795-B3A7-603070E72FE1}" type="datetime1">
               <a:rPr lang="en-US" smtClean="0"/>
               <a:pPr/>
-              <a:t>9/30/2021</a:t>
+              <a:t>11/15/2021</a:t>
             </a:fld>
             <a:endParaRPr lang="en-IN"/>
           </a:p>
@@ -8917,7 +8917,7 @@
             <a:fld id="{748C6618-D660-4795-B3A7-603070E72FE1}" type="datetime1">
               <a:rPr lang="en-US" smtClean="0"/>
               <a:pPr/>
-              <a:t>9/30/2021</a:t>
+              <a:t>11/15/2021</a:t>
             </a:fld>
             <a:endParaRPr lang="en-IN"/>
           </a:p>
@@ -9097,7 +9097,7 @@
             <a:fld id="{748C6618-D660-4795-B3A7-603070E72FE1}" type="datetime1">
               <a:rPr lang="en-US" smtClean="0"/>
               <a:pPr/>
-              <a:t>9/30/2021</a:t>
+              <a:t>11/15/2021</a:t>
             </a:fld>
             <a:endParaRPr lang="en-IN"/>
           </a:p>
@@ -9267,7 +9267,7 @@
             <a:fld id="{748C6618-D660-4795-B3A7-603070E72FE1}" type="datetime1">
               <a:rPr lang="en-US" smtClean="0"/>
               <a:pPr/>
-              <a:t>9/30/2021</a:t>
+              <a:t>11/15/2021</a:t>
             </a:fld>
             <a:endParaRPr lang="en-IN"/>
           </a:p>
@@ -9433,7 +9433,7 @@
             <a:fld id="{748C6618-D660-4795-B3A7-603070E72FE1}" type="datetime1">
               <a:rPr lang="en-US" smtClean="0"/>
               <a:pPr/>
-              <a:t>9/30/2021</a:t>
+              <a:t>11/15/2021</a:t>
             </a:fld>
             <a:endParaRPr lang="en-IN"/>
           </a:p>
@@ -9599,7 +9599,7 @@
             <a:fld id="{748C6618-D660-4795-B3A7-603070E72FE1}" type="datetime1">
               <a:rPr lang="en-US" smtClean="0"/>
               <a:pPr/>
-              <a:t>9/30/2021</a:t>
+              <a:t>11/15/2021</a:t>
             </a:fld>
             <a:endParaRPr lang="en-IN"/>
           </a:p>
@@ -9767,7 +9767,7 @@
             <a:fld id="{748C6618-D660-4795-B3A7-603070E72FE1}" type="datetime1">
               <a:rPr lang="en-US" smtClean="0"/>
               <a:pPr/>
-              <a:t>9/30/2021</a:t>
+              <a:t>11/15/2021</a:t>
             </a:fld>
             <a:endParaRPr lang="en-IN"/>
           </a:p>
@@ -9979,7 +9979,7 @@
             <a:fld id="{748C6618-D660-4795-B3A7-603070E72FE1}" type="datetime1">
               <a:rPr lang="en-US" smtClean="0"/>
               <a:pPr/>
-              <a:t>9/30/2021</a:t>
+              <a:t>11/15/2021</a:t>
             </a:fld>
             <a:endParaRPr lang="en-IN"/>
           </a:p>
@@ -10183,7 +10183,7 @@
             <a:fld id="{748C6618-D660-4795-B3A7-603070E72FE1}" type="datetime1">
               <a:rPr lang="en-US" smtClean="0"/>
               <a:pPr/>
-              <a:t>9/30/2021</a:t>
+              <a:t>11/15/2021</a:t>
             </a:fld>
             <a:endParaRPr lang="en-IN"/>
           </a:p>
@@ -10406,7 +10406,7 @@
             <a:fld id="{748C6618-D660-4795-B3A7-603070E72FE1}" type="datetime1">
               <a:rPr lang="en-US" smtClean="0"/>
               <a:pPr/>
-              <a:t>9/30/2021</a:t>
+              <a:t>11/15/2021</a:t>
             </a:fld>
             <a:endParaRPr lang="en-IN"/>
           </a:p>
@@ -10626,7 +10626,7 @@
             <a:fld id="{748C6618-D660-4795-B3A7-603070E72FE1}" type="datetime1">
               <a:rPr lang="en-US" smtClean="0"/>
               <a:pPr/>
-              <a:t>9/30/2021</a:t>
+              <a:t>11/15/2021</a:t>
             </a:fld>
             <a:endParaRPr lang="en-IN"/>
           </a:p>
@@ -10791,7 +10791,7 @@
             <a:fld id="{748C6618-D660-4795-B3A7-603070E72FE1}" type="datetime1">
               <a:rPr lang="en-US" smtClean="0"/>
               <a:pPr/>
-              <a:t>9/30/2021</a:t>
+              <a:t>11/15/2021</a:t>
             </a:fld>
             <a:endParaRPr lang="en-IN"/>
           </a:p>
@@ -10945,7 +10945,7 @@
             <a:fld id="{748C6618-D660-4795-B3A7-603070E72FE1}" type="datetime1">
               <a:rPr lang="en-US" smtClean="0"/>
               <a:pPr/>
-              <a:t>9/30/2021</a:t>
+              <a:t>11/15/2021</a:t>
             </a:fld>
             <a:endParaRPr lang="en-IN"/>
           </a:p>
@@ -11144,7 +11144,7 @@
             <a:fld id="{748C6618-D660-4795-B3A7-603070E72FE1}" type="datetime1">
               <a:rPr lang="en-US" smtClean="0"/>
               <a:pPr/>
-              <a:t>9/30/2021</a:t>
+              <a:t>11/15/2021</a:t>
             </a:fld>
             <a:endParaRPr lang="en-IN"/>
           </a:p>
@@ -11343,7 +11343,7 @@
             <a:fld id="{748C6618-D660-4795-B3A7-603070E72FE1}" type="datetime1">
               <a:rPr lang="en-US" smtClean="0"/>
               <a:pPr/>
-              <a:t>9/30/2021</a:t>
+              <a:t>11/15/2021</a:t>
             </a:fld>
             <a:endParaRPr lang="en-IN"/>
           </a:p>
@@ -11507,7 +11507,7 @@
             <a:fld id="{748C6618-D660-4795-B3A7-603070E72FE1}" type="datetime1">
               <a:rPr lang="en-US" smtClean="0"/>
               <a:pPr/>
-              <a:t>9/30/2021</a:t>
+              <a:t>11/15/2021</a:t>
             </a:fld>
             <a:endParaRPr lang="en-IN"/>
           </a:p>
@@ -11722,7 +11722,7 @@
             <a:fld id="{748C6618-D660-4795-B3A7-603070E72FE1}" type="datetime1">
               <a:rPr lang="en-US" smtClean="0"/>
               <a:pPr/>
-              <a:t>9/30/2021</a:t>
+              <a:t>11/15/2021</a:t>
             </a:fld>
             <a:endParaRPr lang="en-IN"/>
           </a:p>
@@ -11913,7 +11913,7 @@
             <a:fld id="{748C6618-D660-4795-B3A7-603070E72FE1}" type="datetime1">
               <a:rPr lang="en-US" smtClean="0"/>
               <a:pPr/>
-              <a:t>9/30/2021</a:t>
+              <a:t>11/15/2021</a:t>
             </a:fld>
             <a:endParaRPr lang="en-IN"/>
           </a:p>
@@ -12074,7 +12074,7 @@
             <a:fld id="{748C6618-D660-4795-B3A7-603070E72FE1}" type="datetime1">
               <a:rPr lang="en-US" smtClean="0"/>
               <a:pPr/>
-              <a:t>9/30/2021</a:t>
+              <a:t>11/15/2021</a:t>
             </a:fld>
             <a:endParaRPr lang="en-IN"/>
           </a:p>
@@ -12242,7 +12242,7 @@
             <a:fld id="{748C6618-D660-4795-B3A7-603070E72FE1}" type="datetime1">
               <a:rPr lang="en-US" smtClean="0"/>
               <a:pPr/>
-              <a:t>9/30/2021</a:t>
+              <a:t>11/15/2021</a:t>
             </a:fld>
             <a:endParaRPr lang="en-IN"/>
           </a:p>
@@ -12403,7 +12403,7 @@
             <a:fld id="{748C6618-D660-4795-B3A7-603070E72FE1}" type="datetime1">
               <a:rPr lang="en-US" smtClean="0"/>
               <a:pPr/>
-              <a:t>9/30/2021</a:t>
+              <a:t>11/15/2021</a:t>
             </a:fld>
             <a:endParaRPr lang="en-IN"/>
           </a:p>
@@ -12590,7 +12590,7 @@
             <a:fld id="{748C6618-D660-4795-B3A7-603070E72FE1}" type="datetime1">
               <a:rPr lang="en-US" smtClean="0"/>
               <a:pPr/>
-              <a:t>9/30/2021</a:t>
+              <a:t>11/15/2021</a:t>
             </a:fld>
             <a:endParaRPr lang="en-IN"/>
           </a:p>
@@ -12758,7 +12758,7 @@
             <a:fld id="{748C6618-D660-4795-B3A7-603070E72FE1}" type="datetime1">
               <a:rPr lang="en-US" smtClean="0"/>
               <a:pPr/>
-              <a:t>9/30/2021</a:t>
+              <a:t>11/15/2021</a:t>
             </a:fld>
             <a:endParaRPr lang="en-IN"/>
           </a:p>
@@ -12940,7 +12940,7 @@
             <a:fld id="{748C6618-D660-4795-B3A7-603070E72FE1}" type="datetime1">
               <a:rPr lang="en-US" smtClean="0"/>
               <a:pPr/>
-              <a:t>9/30/2021</a:t>
+              <a:t>11/15/2021</a:t>
             </a:fld>
             <a:endParaRPr lang="en-IN"/>
           </a:p>
@@ -13135,7 +13135,7 @@
             <a:fld id="{748C6618-D660-4795-B3A7-603070E72FE1}" type="datetime1">
               <a:rPr lang="en-US" smtClean="0"/>
               <a:pPr/>
-              <a:t>9/30/2021</a:t>
+              <a:t>11/15/2021</a:t>
             </a:fld>
             <a:endParaRPr lang="en-IN"/>
           </a:p>
@@ -13297,7 +13297,7 @@
             <a:fld id="{748C6618-D660-4795-B3A7-603070E72FE1}" type="datetime1">
               <a:rPr lang="en-US" smtClean="0"/>
               <a:pPr/>
-              <a:t>9/30/2021</a:t>
+              <a:t>11/15/2021</a:t>
             </a:fld>
             <a:endParaRPr lang="en-IN"/>
           </a:p>
@@ -13485,7 +13485,7 @@
             <a:fld id="{748C6618-D660-4795-B3A7-603070E72FE1}" type="datetime1">
               <a:rPr lang="en-US" smtClean="0"/>
               <a:pPr/>
-              <a:t>9/30/2021</a:t>
+              <a:t>11/15/2021</a:t>
             </a:fld>
             <a:endParaRPr lang="en-IN"/>
           </a:p>
@@ -13773,7 +13773,7 @@
             <a:fld id="{748C6618-D660-4795-B3A7-603070E72FE1}" type="datetime1">
               <a:rPr lang="en-US" smtClean="0"/>
               <a:pPr/>
-              <a:t>9/30/2021</a:t>
+              <a:t>11/15/2021</a:t>
             </a:fld>
             <a:endParaRPr lang="en-IN"/>
           </a:p>
@@ -13964,7 +13964,7 @@
             <a:fld id="{748C6618-D660-4795-B3A7-603070E72FE1}" type="datetime1">
               <a:rPr lang="en-US" smtClean="0"/>
               <a:pPr/>
-              <a:t>9/30/2021</a:t>
+              <a:t>11/15/2021</a:t>
             </a:fld>
             <a:endParaRPr lang="en-IN"/>
           </a:p>
@@ -14185,7 +14185,7 @@
             <a:fld id="{748C6618-D660-4795-B3A7-603070E72FE1}" type="datetime1">
               <a:rPr lang="en-US" smtClean="0"/>
               <a:pPr/>
-              <a:t>9/30/2021</a:t>
+              <a:t>11/15/2021</a:t>
             </a:fld>
             <a:endParaRPr lang="en-IN"/>
           </a:p>
@@ -14379,7 +14379,7 @@
             <a:fld id="{748C6618-D660-4795-B3A7-603070E72FE1}" type="datetime1">
               <a:rPr lang="en-US" smtClean="0"/>
               <a:pPr/>
-              <a:t>9/30/2021</a:t>
+              <a:t>11/15/2021</a:t>
             </a:fld>
             <a:endParaRPr lang="en-IN"/>
           </a:p>
@@ -14632,7 +14632,7 @@
             <a:fld id="{748C6618-D660-4795-B3A7-603070E72FE1}" type="datetime1">
               <a:rPr lang="en-US" smtClean="0"/>
               <a:pPr/>
-              <a:t>9/30/2021</a:t>
+              <a:t>11/15/2021</a:t>
             </a:fld>
             <a:endParaRPr lang="en-IN"/>
           </a:p>
@@ -14827,7 +14827,7 @@
             <a:fld id="{748C6618-D660-4795-B3A7-603070E72FE1}" type="datetime1">
               <a:rPr lang="en-US" smtClean="0"/>
               <a:pPr/>
-              <a:t>9/30/2021</a:t>
+              <a:t>11/15/2021</a:t>
             </a:fld>
             <a:endParaRPr lang="en-IN"/>
           </a:p>
@@ -14990,7 +14990,7 @@
             <a:fld id="{748C6618-D660-4795-B3A7-603070E72FE1}" type="datetime1">
               <a:rPr lang="en-US" smtClean="0"/>
               <a:pPr/>
-              <a:t>9/30/2021</a:t>
+              <a:t>11/15/2021</a:t>
             </a:fld>
             <a:endParaRPr lang="en-IN"/>
           </a:p>
@@ -15144,7 +15144,7 @@
             <a:fld id="{748C6618-D660-4795-B3A7-603070E72FE1}" type="datetime1">
               <a:rPr lang="en-US" smtClean="0"/>
               <a:pPr/>
-              <a:t>9/30/2021</a:t>
+              <a:t>11/15/2021</a:t>
             </a:fld>
             <a:endParaRPr lang="en-IN"/>
           </a:p>
@@ -15374,7 +15374,7 @@
             <a:fld id="{748C6618-D660-4795-B3A7-603070E72FE1}" type="datetime1">
               <a:rPr lang="en-US" smtClean="0"/>
               <a:pPr/>
-              <a:t>9/30/2021</a:t>
+              <a:t>11/15/2021</a:t>
             </a:fld>
             <a:endParaRPr lang="en-IN"/>
           </a:p>
@@ -15580,7 +15580,7 @@
             <a:fld id="{748C6618-D660-4795-B3A7-603070E72FE1}" type="datetime1">
               <a:rPr lang="en-US" smtClean="0"/>
               <a:pPr/>
-              <a:t>9/30/2021</a:t>
+              <a:t>11/15/2021</a:t>
             </a:fld>
             <a:endParaRPr lang="en-IN"/>
           </a:p>
@@ -15763,7 +15763,7 @@
             <a:fld id="{748C6618-D660-4795-B3A7-603070E72FE1}" type="datetime1">
               <a:rPr lang="en-US" smtClean="0"/>
               <a:pPr/>
-              <a:t>9/30/2021</a:t>
+              <a:t>11/15/2021</a:t>
             </a:fld>
             <a:endParaRPr lang="en-IN"/>
           </a:p>
@@ -15945,7 +15945,7 @@
             <a:fld id="{748C6618-D660-4795-B3A7-603070E72FE1}" type="datetime1">
               <a:rPr lang="en-US" smtClean="0"/>
               <a:pPr/>
-              <a:t>9/30/2021</a:t>
+              <a:t>11/15/2021</a:t>
             </a:fld>
             <a:endParaRPr lang="en-IN"/>
           </a:p>
@@ -16129,7 +16129,7 @@
             <a:fld id="{748C6618-D660-4795-B3A7-603070E72FE1}" type="datetime1">
               <a:rPr lang="en-US" smtClean="0"/>
               <a:pPr/>
-              <a:t>9/30/2021</a:t>
+              <a:t>11/15/2021</a:t>
             </a:fld>
             <a:endParaRPr lang="en-IN"/>
           </a:p>
@@ -16353,7 +16353,7 @@
             <a:fld id="{748C6618-D660-4795-B3A7-603070E72FE1}" type="datetime1">
               <a:rPr lang="en-US" smtClean="0"/>
               <a:pPr/>
-              <a:t>9/30/2021</a:t>
+              <a:t>11/15/2021</a:t>
             </a:fld>
             <a:endParaRPr lang="en-IN"/>
           </a:p>
@@ -16516,7 +16516,7 @@
             <a:fld id="{748C6618-D660-4795-B3A7-603070E72FE1}" type="datetime1">
               <a:rPr lang="en-US" smtClean="0"/>
               <a:pPr/>
-              <a:t>9/30/2021</a:t>
+              <a:t>11/15/2021</a:t>
             </a:fld>
             <a:endParaRPr lang="en-IN"/>
           </a:p>
@@ -16713,7 +16713,7 @@
             <a:fld id="{748C6618-D660-4795-B3A7-603070E72FE1}" type="datetime1">
               <a:rPr lang="en-US" smtClean="0"/>
               <a:pPr/>
-              <a:t>9/30/2021</a:t>
+              <a:t>11/15/2021</a:t>
             </a:fld>
             <a:endParaRPr lang="en-IN"/>
           </a:p>
@@ -16999,7 +16999,7 @@
             <a:fld id="{748C6618-D660-4795-B3A7-603070E72FE1}" type="datetime1">
               <a:rPr lang="en-US" smtClean="0"/>
               <a:pPr/>
-              <a:t>9/30/2021</a:t>
+              <a:t>11/15/2021</a:t>
             </a:fld>
             <a:endParaRPr lang="en-IN"/>
           </a:p>
@@ -17180,7 +17180,7 @@
             <a:fld id="{748C6618-D660-4795-B3A7-603070E72FE1}" type="datetime1">
               <a:rPr lang="en-US" smtClean="0"/>
               <a:pPr/>
-              <a:t>9/30/2021</a:t>
+              <a:t>11/15/2021</a:t>
             </a:fld>
             <a:endParaRPr lang="en-IN"/>
           </a:p>
@@ -17369,7 +17369,7 @@
             <a:fld id="{748C6618-D660-4795-B3A7-603070E72FE1}" type="datetime1">
               <a:rPr lang="en-US" smtClean="0"/>
               <a:pPr/>
-              <a:t>9/30/2021</a:t>
+              <a:t>11/15/2021</a:t>
             </a:fld>
             <a:endParaRPr lang="en-IN"/>
           </a:p>
@@ -17595,7 +17595,7 @@
             <a:fld id="{748C6618-D660-4795-B3A7-603070E72FE1}" type="datetime1">
               <a:rPr lang="en-US" smtClean="0"/>
               <a:pPr/>
-              <a:t>9/30/2021</a:t>
+              <a:t>11/15/2021</a:t>
             </a:fld>
             <a:endParaRPr lang="en-IN"/>
           </a:p>
@@ -17790,7 +17790,7 @@
             <a:fld id="{748C6618-D660-4795-B3A7-603070E72FE1}" type="datetime1">
               <a:rPr lang="en-US" smtClean="0"/>
               <a:pPr/>
-              <a:t>9/30/2021</a:t>
+              <a:t>11/15/2021</a:t>
             </a:fld>
             <a:endParaRPr lang="en-IN"/>
           </a:p>
@@ -17986,7 +17986,7 @@
             <a:fld id="{748C6618-D660-4795-B3A7-603070E72FE1}" type="datetime1">
               <a:rPr lang="en-US" smtClean="0"/>
               <a:pPr/>
-              <a:t>9/30/2021</a:t>
+              <a:t>11/15/2021</a:t>
             </a:fld>
             <a:endParaRPr lang="en-IN"/>
           </a:p>
@@ -18164,7 +18164,7 @@
             <a:fld id="{748C6618-D660-4795-B3A7-603070E72FE1}" type="datetime1">
               <a:rPr lang="en-US" smtClean="0"/>
               <a:pPr/>
-              <a:t>9/30/2021</a:t>
+              <a:t>11/15/2021</a:t>
             </a:fld>
             <a:endParaRPr lang="en-IN"/>
           </a:p>
@@ -18319,7 +18319,7 @@
             <a:fld id="{748C6618-D660-4795-B3A7-603070E72FE1}" type="datetime1">
               <a:rPr lang="en-US" smtClean="0"/>
               <a:pPr/>
-              <a:t>9/30/2021</a:t>
+              <a:t>11/15/2021</a:t>
             </a:fld>
             <a:endParaRPr lang="en-IN"/>
           </a:p>
@@ -18612,7 +18612,7 @@
             <a:fld id="{748C6618-D660-4795-B3A7-603070E72FE1}" type="datetime1">
               <a:rPr lang="en-US" smtClean="0"/>
               <a:pPr/>
-              <a:t>9/30/2021</a:t>
+              <a:t>11/15/2021</a:t>
             </a:fld>
             <a:endParaRPr lang="en-IN"/>
           </a:p>
@@ -18844,7 +18844,7 @@
             <a:fld id="{748C6618-D660-4795-B3A7-603070E72FE1}" type="datetime1">
               <a:rPr lang="en-US" smtClean="0"/>
               <a:pPr/>
-              <a:t>9/30/2021</a:t>
+              <a:t>11/15/2021</a:t>
             </a:fld>
             <a:endParaRPr lang="en-IN"/>
           </a:p>
@@ -19121,7 +19121,7 @@
             <a:fld id="{748C6618-D660-4795-B3A7-603070E72FE1}" type="datetime1">
               <a:rPr lang="en-US" smtClean="0"/>
               <a:pPr/>
-              <a:t>9/30/2021</a:t>
+              <a:t>11/15/2021</a:t>
             </a:fld>
             <a:endParaRPr lang="en-IN"/>
           </a:p>
@@ -19350,7 +19350,7 @@
             <a:fld id="{748C6618-D660-4795-B3A7-603070E72FE1}" type="datetime1">
               <a:rPr lang="en-US" smtClean="0"/>
               <a:pPr/>
-              <a:t>9/30/2021</a:t>
+              <a:t>11/15/2021</a:t>
             </a:fld>
             <a:endParaRPr lang="en-IN"/>
           </a:p>
@@ -19522,7 +19522,7 @@
             <a:fld id="{748C6618-D660-4795-B3A7-603070E72FE1}" type="datetime1">
               <a:rPr lang="en-US" smtClean="0"/>
               <a:pPr/>
-              <a:t>9/30/2021</a:t>
+              <a:t>11/15/2021</a:t>
             </a:fld>
             <a:endParaRPr lang="en-IN"/>
           </a:p>
@@ -19721,7 +19721,7 @@
             <a:fld id="{748C6618-D660-4795-B3A7-603070E72FE1}" type="datetime1">
               <a:rPr lang="en-US" smtClean="0"/>
               <a:pPr/>
-              <a:t>9/30/2021</a:t>
+              <a:t>11/15/2021</a:t>
             </a:fld>
             <a:endParaRPr lang="en-IN"/>
           </a:p>
@@ -19943,7 +19943,7 @@
             <a:fld id="{748C6618-D660-4795-B3A7-603070E72FE1}" type="datetime1">
               <a:rPr lang="en-US" smtClean="0"/>
               <a:pPr/>
-              <a:t>9/30/2021</a:t>
+              <a:t>11/15/2021</a:t>
             </a:fld>
             <a:endParaRPr lang="en-IN"/>
           </a:p>
@@ -20141,7 +20141,7 @@
             <a:fld id="{748C6618-D660-4795-B3A7-603070E72FE1}" type="datetime1">
               <a:rPr lang="en-US" smtClean="0"/>
               <a:pPr/>
-              <a:t>9/30/2021</a:t>
+              <a:t>11/15/2021</a:t>
             </a:fld>
             <a:endParaRPr lang="en-IN"/>
           </a:p>
